--- a/Tutorial 6 Generalising and Schrodinger.pptx
+++ b/Tutorial 6 Generalising and Schrodinger.pptx
@@ -226,7 +226,7 @@
           <a:p>
             <a:fld id="{762B48F5-BACC-47D6-A0F7-82FBF9C6BC85}" type="datetimeFigureOut">
               <a:rPr lang="en-US"/>
-              <a:t>3/19/2022</a:t>
+              <a:t>4/1/2022</a:t>
             </a:fld>
             <a:endParaRPr/>
           </a:p>
@@ -391,7 +391,7 @@
           <a:p>
             <a:fld id="{0CB1CD00-5424-4675-AB18-2C419B060449}" type="datetimeFigureOut">
               <a:rPr lang="en-US"/>
-              <a:t>3/19/2022</a:t>
+              <a:t>4/1/2022</a:t>
             </a:fld>
             <a:endParaRPr/>
           </a:p>
@@ -1036,7 +1036,7 @@
           <a:p>
             <a:fld id="{37CC0096-1860-4642-9CD2-0079EA5E7CD1}" type="datetimeFigureOut">
               <a:rPr lang="en-US" smtClean="0"/>
-              <a:t>3/19/2022</a:t>
+              <a:t>4/1/2022</a:t>
             </a:fld>
             <a:endParaRPr lang="en-US"/>
           </a:p>
@@ -1215,7 +1215,7 @@
           <a:p>
             <a:fld id="{37CC0096-1860-4642-9CD2-0079EA5E7CD1}" type="datetimeFigureOut">
               <a:rPr lang="en-US" smtClean="0"/>
-              <a:t>3/19/2022</a:t>
+              <a:t>4/1/2022</a:t>
             </a:fld>
             <a:endParaRPr lang="en-US"/>
           </a:p>
@@ -1388,7 +1388,7 @@
           <a:p>
             <a:fld id="{37CC0096-1860-4642-9CD2-0079EA5E7CD1}" type="datetimeFigureOut">
               <a:rPr lang="en-US" smtClean="0"/>
-              <a:t>3/19/2022</a:t>
+              <a:t>4/1/2022</a:t>
             </a:fld>
             <a:endParaRPr lang="en-US"/>
           </a:p>
@@ -1821,7 +1821,7 @@
           <a:p>
             <a:fld id="{37CC0096-1860-4642-9CD2-0079EA5E7CD1}" type="datetimeFigureOut">
               <a:rPr lang="en-US" smtClean="0"/>
-              <a:t>3/19/2022</a:t>
+              <a:t>4/1/2022</a:t>
             </a:fld>
             <a:endParaRPr lang="en-US"/>
           </a:p>
@@ -2260,7 +2260,7 @@
           <a:p>
             <a:fld id="{37CC0096-1860-4642-9CD2-0079EA5E7CD1}" type="datetimeFigureOut">
               <a:rPr lang="en-US" smtClean="0"/>
-              <a:t>3/19/2022</a:t>
+              <a:t>4/1/2022</a:t>
             </a:fld>
             <a:endParaRPr lang="en-US"/>
           </a:p>
@@ -2377,7 +2377,7 @@
           <a:p>
             <a:fld id="{37CC0096-1860-4642-9CD2-0079EA5E7CD1}" type="datetimeFigureOut">
               <a:rPr lang="en-US" smtClean="0"/>
-              <a:t>3/19/2022</a:t>
+              <a:t>4/1/2022</a:t>
             </a:fld>
             <a:endParaRPr lang="en-US"/>
           </a:p>
@@ -2472,7 +2472,7 @@
           <a:p>
             <a:fld id="{37CC0096-1860-4642-9CD2-0079EA5E7CD1}" type="datetimeFigureOut">
               <a:rPr lang="en-US" smtClean="0"/>
-              <a:t>3/19/2022</a:t>
+              <a:t>4/1/2022</a:t>
             </a:fld>
             <a:endParaRPr lang="en-US"/>
           </a:p>
@@ -2756,7 +2756,7 @@
           <a:p>
             <a:fld id="{37CC0096-1860-4642-9CD2-0079EA5E7CD1}" type="datetimeFigureOut">
               <a:rPr lang="en-US" smtClean="0"/>
-              <a:t>3/19/2022</a:t>
+              <a:t>4/1/2022</a:t>
             </a:fld>
             <a:endParaRPr lang="en-US"/>
           </a:p>
@@ -3067,7 +3067,7 @@
           <a:p>
             <a:fld id="{37CC0096-1860-4642-9CD2-0079EA5E7CD1}" type="datetimeFigureOut">
               <a:rPr lang="en-US" smtClean="0"/>
-              <a:t>3/19/2022</a:t>
+              <a:t>4/1/2022</a:t>
             </a:fld>
             <a:endParaRPr lang="en-US"/>
           </a:p>
@@ -3299,7 +3299,7 @@
             <a:fld id="{37CC0096-1860-4642-9CD2-0079EA5E7CD1}" type="datetimeFigureOut">
               <a:rPr lang="en-US" smtClean="0"/>
               <a:pPr/>
-              <a:t>3/19/2022</a:t>
+              <a:t>4/1/2022</a:t>
             </a:fld>
             <a:endParaRPr lang="en-US"/>
           </a:p>
@@ -4897,7 +4897,6 @@
                   <a:schemeClr val="tx1"/>
                 </a:solidFill>
                 <a:effectLst/>
-                <a:latin typeface="Calibri" panose="020F0502020204030204" pitchFamily="34" charset="0"/>
               </a:rPr>
               <a:t>Generalising</a:t>
             </a:r>
@@ -4907,7 +4906,6 @@
                   <a:schemeClr val="tx1"/>
                 </a:solidFill>
                 <a:effectLst/>
-                <a:latin typeface="Calibri" panose="020F0502020204030204" pitchFamily="34" charset="0"/>
               </a:rPr>
               <a:t> the 1d Poisson equation to work with 2 different materials</a:t>
             </a:r>
@@ -4923,7 +4921,6 @@
                   <a:schemeClr val="tx1"/>
                 </a:solidFill>
                 <a:effectLst/>
-                <a:latin typeface="Calibri" panose="020F0502020204030204" pitchFamily="34" charset="0"/>
               </a:rPr>
               <a:t>Generalising</a:t>
             </a:r>
@@ -4933,7 +4930,6 @@
                   <a:schemeClr val="tx1"/>
                 </a:solidFill>
                 <a:effectLst/>
-                <a:latin typeface="Calibri" panose="020F0502020204030204" pitchFamily="34" charset="0"/>
               </a:rPr>
               <a:t> the 1d Poisson equation to 2D</a:t>
             </a:r>
@@ -4944,7 +4940,11 @@
               <a:buAutoNum type="arabicPeriod"/>
             </a:pPr>
             <a:r>
-              <a:rPr lang="en-AU" sz="2400" dirty="0"/>
+              <a:rPr lang="en-AU" sz="2400" dirty="0">
+                <a:solidFill>
+                  <a:schemeClr val="tx1"/>
+                </a:solidFill>
+              </a:rPr>
               <a:t>Implement the tri-diagonal matrix form of an eigenvalue problem.</a:t>
             </a:r>
           </a:p>
@@ -4954,7 +4954,11 @@
               <a:buAutoNum type="arabicPeriod"/>
             </a:pPr>
             <a:r>
-              <a:rPr lang="en-AU" sz="2400" dirty="0"/>
+              <a:rPr lang="en-AU" sz="2400" dirty="0">
+                <a:solidFill>
+                  <a:schemeClr val="tx1"/>
+                </a:solidFill>
+              </a:rPr>
               <a:t>Solve for the energy states in a 1D potential well using the Schrodinger equation</a:t>
             </a:r>
           </a:p>
@@ -4966,7 +4970,6 @@
               <a:solidFill>
                 <a:schemeClr val="tx1"/>
               </a:solidFill>
-              <a:latin typeface="Calibri" panose="020F0502020204030204" pitchFamily="34" charset="0"/>
             </a:endParaRPr>
           </a:p>
           <a:p>
@@ -4979,7 +4982,6 @@
                   <a:schemeClr val="tx1"/>
                 </a:solidFill>
                 <a:effectLst/>
-                <a:latin typeface="Calibri" panose="020F0502020204030204" pitchFamily="34" charset="0"/>
               </a:rPr>
               <a:t>Basically, a whole lot of matrix manipulation in python</a:t>
             </a:r>
@@ -13552,15 +13554,6 @@
 </file>
 
 <file path=customXml/item1.xml><?xml version="1.0" encoding="utf-8"?>
-<?mso-contentType ?>
-<FormTemplates xmlns="http://schemas.microsoft.com/sharepoint/v3/contenttype/forms">
-  <Display>DocumentLibraryForm</Display>
-  <Edit>AssetEditForm</Edit>
-  <New>DocumentLibraryForm</New>
-</FormTemplates>
-</file>
-
-<file path=customXml/item2.xml><?xml version="1.0" encoding="utf-8"?>
 <ct:contentTypeSchema xmlns:ct="http://schemas.microsoft.com/office/2006/metadata/contentType" xmlns:ma="http://schemas.microsoft.com/office/2006/metadata/properties/metaAttributes" ct:_="" ma:_="" ma:contentTypeName="TemplateFile" ma:contentTypeID="0x0101006EDDDB5EE6D98C44930B742096920B300400F5B6D36B3EF94B4E9A635CDF2A18F5B8" ma:contentTypeVersion="72" ma:contentTypeDescription="Create a new document." ma:contentTypeScope="" ma:versionID="a23e56308344d904b51738559c3d67c9">
   <xsd:schema xmlns:xsd="http://www.w3.org/2001/XMLSchema" xmlns:xs="http://www.w3.org/2001/XMLSchema" xmlns:p="http://schemas.microsoft.com/office/2006/metadata/properties" xmlns:ns2="4873beb7-5857-4685-be1f-d57550cc96cc" targetNamespace="http://schemas.microsoft.com/office/2006/metadata/properties" ma:root="true" ma:fieldsID="cd0908cc4600e77bf5da051303e00c8d" ns2:_="">
     <xsd:import namespace="4873beb7-5857-4685-be1f-d57550cc96cc"/>
@@ -14600,6 +14593,15 @@
 </ct:contentTypeSchema>
 </file>
 
+<file path=customXml/item2.xml><?xml version="1.0" encoding="utf-8"?>
+<?mso-contentType ?>
+<FormTemplates xmlns="http://schemas.microsoft.com/sharepoint/v3/contenttype/forms">
+  <Display>DocumentLibraryForm</Display>
+  <Edit>AssetEditForm</Edit>
+  <New>DocumentLibraryForm</New>
+</FormTemplates>
+</file>
+
 <file path=customXml/item3.xml><?xml version="1.0" encoding="utf-8"?>
 <p:properties xmlns:p="http://schemas.microsoft.com/office/2006/metadata/properties" xmlns:xsi="http://www.w3.org/2001/XMLSchema-instance" xmlns:pc="http://schemas.microsoft.com/office/infopath/2007/PartnerControls">
   <documentManagement>
@@ -14727,14 +14729,6 @@
 </file>
 
 <file path=customXml/itemProps1.xml><?xml version="1.0" encoding="utf-8"?>
-<ds:datastoreItem xmlns:ds="http://schemas.openxmlformats.org/officeDocument/2006/customXml" ds:itemID="{746CFF6F-D9AA-4BC0-911A-0A1356771912}">
-  <ds:schemaRefs>
-    <ds:schemaRef ds:uri="http://schemas.microsoft.com/sharepoint/v3/contenttype/forms"/>
-  </ds:schemaRefs>
-</ds:datastoreItem>
-</file>
-
-<file path=customXml/itemProps2.xml><?xml version="1.0" encoding="utf-8"?>
 <ds:datastoreItem xmlns:ds="http://schemas.openxmlformats.org/officeDocument/2006/customXml" ds:itemID="{0B5C6E15-39DC-470B-9445-F754B9458020}">
   <ds:schemaRefs>
     <ds:schemaRef ds:uri="http://schemas.microsoft.com/office/2006/metadata/contentType"/>
@@ -14748,6 +14742,14 @@
     <ds:schemaRef ds:uri="http://purl.org/dc/elements/1.1/"/>
     <ds:schemaRef ds:uri="http://purl.org/dc/terms/"/>
     <ds:schemaRef ds:uri="http://schemas.microsoft.com/internal/obd"/>
+  </ds:schemaRefs>
+</ds:datastoreItem>
+</file>
+
+<file path=customXml/itemProps2.xml><?xml version="1.0" encoding="utf-8"?>
+<ds:datastoreItem xmlns:ds="http://schemas.openxmlformats.org/officeDocument/2006/customXml" ds:itemID="{746CFF6F-D9AA-4BC0-911A-0A1356771912}">
+  <ds:schemaRefs>
+    <ds:schemaRef ds:uri="http://schemas.microsoft.com/sharepoint/v3/contenttype/forms"/>
   </ds:schemaRefs>
 </ds:datastoreItem>
 </file>
